--- a/Mercadeo/fichas/ERP - Módulo CRM.pptx
+++ b/Mercadeo/fichas/ERP - Módulo CRM.pptx
@@ -264,7 +264,7 @@
           <a:p>
             <a:fld id="{7E325E00-7FBD-4648-A82B-8E5548B1221B}" type="datetimeFigureOut">
               <a:rPr lang="es-CO" smtClean="0"/>
-              <a:t>18/08/2020</a:t>
+              <a:t>19/08/2020</a:t>
             </a:fld>
             <a:endParaRPr lang="es-CO"/>
           </a:p>
@@ -464,7 +464,7 @@
           <a:p>
             <a:fld id="{7E325E00-7FBD-4648-A82B-8E5548B1221B}" type="datetimeFigureOut">
               <a:rPr lang="es-CO" smtClean="0"/>
-              <a:t>18/08/2020</a:t>
+              <a:t>19/08/2020</a:t>
             </a:fld>
             <a:endParaRPr lang="es-CO"/>
           </a:p>
@@ -674,7 +674,7 @@
           <a:p>
             <a:fld id="{7E325E00-7FBD-4648-A82B-8E5548B1221B}" type="datetimeFigureOut">
               <a:rPr lang="es-CO" smtClean="0"/>
-              <a:t>18/08/2020</a:t>
+              <a:t>19/08/2020</a:t>
             </a:fld>
             <a:endParaRPr lang="es-CO"/>
           </a:p>
@@ -874,7 +874,7 @@
           <a:p>
             <a:fld id="{7E325E00-7FBD-4648-A82B-8E5548B1221B}" type="datetimeFigureOut">
               <a:rPr lang="es-CO" smtClean="0"/>
-              <a:t>18/08/2020</a:t>
+              <a:t>19/08/2020</a:t>
             </a:fld>
             <a:endParaRPr lang="es-CO"/>
           </a:p>
@@ -1150,7 +1150,7 @@
           <a:p>
             <a:fld id="{7E325E00-7FBD-4648-A82B-8E5548B1221B}" type="datetimeFigureOut">
               <a:rPr lang="es-CO" smtClean="0"/>
-              <a:t>18/08/2020</a:t>
+              <a:t>19/08/2020</a:t>
             </a:fld>
             <a:endParaRPr lang="es-CO"/>
           </a:p>
@@ -1418,7 +1418,7 @@
           <a:p>
             <a:fld id="{7E325E00-7FBD-4648-A82B-8E5548B1221B}" type="datetimeFigureOut">
               <a:rPr lang="es-CO" smtClean="0"/>
-              <a:t>18/08/2020</a:t>
+              <a:t>19/08/2020</a:t>
             </a:fld>
             <a:endParaRPr lang="es-CO"/>
           </a:p>
@@ -1833,7 +1833,7 @@
           <a:p>
             <a:fld id="{7E325E00-7FBD-4648-A82B-8E5548B1221B}" type="datetimeFigureOut">
               <a:rPr lang="es-CO" smtClean="0"/>
-              <a:t>18/08/2020</a:t>
+              <a:t>19/08/2020</a:t>
             </a:fld>
             <a:endParaRPr lang="es-CO"/>
           </a:p>
@@ -1975,7 +1975,7 @@
           <a:p>
             <a:fld id="{7E325E00-7FBD-4648-A82B-8E5548B1221B}" type="datetimeFigureOut">
               <a:rPr lang="es-CO" smtClean="0"/>
-              <a:t>18/08/2020</a:t>
+              <a:t>19/08/2020</a:t>
             </a:fld>
             <a:endParaRPr lang="es-CO"/>
           </a:p>
@@ -2088,7 +2088,7 @@
           <a:p>
             <a:fld id="{7E325E00-7FBD-4648-A82B-8E5548B1221B}" type="datetimeFigureOut">
               <a:rPr lang="es-CO" smtClean="0"/>
-              <a:t>18/08/2020</a:t>
+              <a:t>19/08/2020</a:t>
             </a:fld>
             <a:endParaRPr lang="es-CO"/>
           </a:p>
@@ -2401,7 +2401,7 @@
           <a:p>
             <a:fld id="{7E325E00-7FBD-4648-A82B-8E5548B1221B}" type="datetimeFigureOut">
               <a:rPr lang="es-CO" smtClean="0"/>
-              <a:t>18/08/2020</a:t>
+              <a:t>19/08/2020</a:t>
             </a:fld>
             <a:endParaRPr lang="es-CO"/>
           </a:p>
@@ -2690,7 +2690,7 @@
           <a:p>
             <a:fld id="{7E325E00-7FBD-4648-A82B-8E5548B1221B}" type="datetimeFigureOut">
               <a:rPr lang="es-CO" smtClean="0"/>
-              <a:t>18/08/2020</a:t>
+              <a:t>19/08/2020</a:t>
             </a:fld>
             <a:endParaRPr lang="es-CO"/>
           </a:p>
@@ -2933,7 +2933,7 @@
           <a:p>
             <a:fld id="{7E325E00-7FBD-4648-A82B-8E5548B1221B}" type="datetimeFigureOut">
               <a:rPr lang="es-CO" smtClean="0"/>
-              <a:t>18/08/2020</a:t>
+              <a:t>19/08/2020</a:t>
             </a:fld>
             <a:endParaRPr lang="es-CO"/>
           </a:p>
@@ -4670,10 +4670,10 @@
                 <a:ea typeface="Roboto" panose="02000000000000000000" pitchFamily="2" charset="0"/>
                 <a:cs typeface="Roboto" panose="02000000000000000000" pitchFamily="2" charset="0"/>
               </a:rPr>
-              <a:t>de evolución y contacto.</a:t>
-            </a:r>
-            <a:r>
-              <a:rPr lang="es-MX" sz="1600" b="1" dirty="0">
+              <a:t>de evolución y </a:t>
+            </a:r>
+            <a:r>
+              <a:rPr lang="es-MX" sz="1600">
                 <a:solidFill>
                   <a:schemeClr val="bg2">
                     <a:lumMod val="50000"/>
@@ -4683,7 +4683,7 @@
                 <a:ea typeface="Roboto" panose="02000000000000000000" pitchFamily="2" charset="0"/>
                 <a:cs typeface="Roboto" panose="02000000000000000000" pitchFamily="2" charset="0"/>
               </a:rPr>
-              <a:t>.</a:t>
+              <a:t>contacto.</a:t>
             </a:r>
             <a:endParaRPr lang="es-CO" sz="1600" dirty="0">
               <a:solidFill>
@@ -5115,7 +5115,7 @@
           <a:lstStyle/>
           <a:p>
             <a:r>
-              <a:rPr lang="es-CO" dirty="0" err="1">
+              <a:rPr lang="es-CO" dirty="0">
                 <a:solidFill>
                   <a:schemeClr val="accent1">
                     <a:lumMod val="75000"/>
@@ -5125,44 +5125,8 @@
                 <a:ea typeface="Roboto" panose="02000000000000000000" pitchFamily="2" charset="0"/>
                 <a:cs typeface="Roboto" panose="02000000000000000000" pitchFamily="2" charset="0"/>
               </a:rPr>
-              <a:t>Help</a:t>
-            </a:r>
-            <a:r>
-              <a:rPr lang="es-CO" dirty="0">
-                <a:solidFill>
-                  <a:schemeClr val="accent1">
-                    <a:lumMod val="75000"/>
-                  </a:schemeClr>
-                </a:solidFill>
-                <a:latin typeface="Roboto" panose="02000000000000000000" pitchFamily="2" charset="0"/>
-                <a:ea typeface="Roboto" panose="02000000000000000000" pitchFamily="2" charset="0"/>
-                <a:cs typeface="Roboto" panose="02000000000000000000" pitchFamily="2" charset="0"/>
-              </a:rPr>
-              <a:t> </a:t>
-            </a:r>
-            <a:r>
-              <a:rPr lang="es-CO" dirty="0" err="1">
-                <a:solidFill>
-                  <a:schemeClr val="accent1">
-                    <a:lumMod val="75000"/>
-                  </a:schemeClr>
-                </a:solidFill>
-                <a:latin typeface="Roboto" panose="02000000000000000000" pitchFamily="2" charset="0"/>
-                <a:ea typeface="Roboto" panose="02000000000000000000" pitchFamily="2" charset="0"/>
-                <a:cs typeface="Roboto" panose="02000000000000000000" pitchFamily="2" charset="0"/>
-              </a:rPr>
-              <a:t>desk</a:t>
-            </a:r>
-            <a:endParaRPr lang="es-CO" dirty="0">
-              <a:solidFill>
-                <a:schemeClr val="accent1">
-                  <a:lumMod val="75000"/>
-                </a:schemeClr>
-              </a:solidFill>
-              <a:latin typeface="Roboto" panose="02000000000000000000" pitchFamily="2" charset="0"/>
-              <a:ea typeface="Roboto" panose="02000000000000000000" pitchFamily="2" charset="0"/>
-              <a:cs typeface="Roboto" panose="02000000000000000000" pitchFamily="2" charset="0"/>
-            </a:endParaRPr>
+              <a:t>Help desk</a:t>
+            </a:r>
           </a:p>
         </p:txBody>
       </p:sp>
@@ -5398,33 +5362,7 @@
                 <a:ea typeface="Roboto" panose="02000000000000000000" pitchFamily="2" charset="0"/>
                 <a:cs typeface="Roboto" panose="02000000000000000000" pitchFamily="2" charset="0"/>
               </a:rPr>
-              <a:t> roles, actividades, responsables, </a:t>
-            </a:r>
-            <a:r>
-              <a:rPr lang="es-MX" dirty="0" err="1">
-                <a:solidFill>
-                  <a:schemeClr val="bg2">
-                    <a:lumMod val="50000"/>
-                  </a:schemeClr>
-                </a:solidFill>
-                <a:latin typeface="Roboto" panose="02000000000000000000" pitchFamily="2" charset="0"/>
-                <a:ea typeface="Roboto" panose="02000000000000000000" pitchFamily="2" charset="0"/>
-                <a:cs typeface="Roboto" panose="02000000000000000000" pitchFamily="2" charset="0"/>
-              </a:rPr>
-              <a:t>dashboard</a:t>
-            </a:r>
-            <a:r>
-              <a:rPr lang="es-MX" dirty="0">
-                <a:solidFill>
-                  <a:schemeClr val="bg2">
-                    <a:lumMod val="50000"/>
-                  </a:schemeClr>
-                </a:solidFill>
-                <a:latin typeface="Roboto" panose="02000000000000000000" pitchFamily="2" charset="0"/>
-                <a:ea typeface="Roboto" panose="02000000000000000000" pitchFamily="2" charset="0"/>
-                <a:cs typeface="Roboto" panose="02000000000000000000" pitchFamily="2" charset="0"/>
-              </a:rPr>
-              <a:t> </a:t>
+              <a:t> roles, actividades, responsables, dashboard </a:t>
             </a:r>
           </a:p>
           <a:p>
@@ -5644,33 +5582,7 @@
                 <a:ea typeface="Roboto" panose="02000000000000000000" pitchFamily="2" charset="0"/>
                 <a:cs typeface="Roboto" panose="02000000000000000000" pitchFamily="2" charset="0"/>
               </a:rPr>
-              <a:t>flujo de </a:t>
-            </a:r>
-            <a:r>
-              <a:rPr lang="es-MX" b="1" dirty="0" err="1">
-                <a:solidFill>
-                  <a:schemeClr val="bg2">
-                    <a:lumMod val="50000"/>
-                  </a:schemeClr>
-                </a:solidFill>
-                <a:latin typeface="Roboto" panose="02000000000000000000" pitchFamily="2" charset="0"/>
-                <a:ea typeface="Roboto" panose="02000000000000000000" pitchFamily="2" charset="0"/>
-                <a:cs typeface="Roboto" panose="02000000000000000000" pitchFamily="2" charset="0"/>
-              </a:rPr>
-              <a:t>PQR’s</a:t>
-            </a:r>
-            <a:r>
-              <a:rPr lang="es-MX" b="1" dirty="0">
-                <a:solidFill>
-                  <a:schemeClr val="bg2">
-                    <a:lumMod val="50000"/>
-                  </a:schemeClr>
-                </a:solidFill>
-                <a:latin typeface="Roboto" panose="02000000000000000000" pitchFamily="2" charset="0"/>
-                <a:ea typeface="Roboto" panose="02000000000000000000" pitchFamily="2" charset="0"/>
-                <a:cs typeface="Roboto" panose="02000000000000000000" pitchFamily="2" charset="0"/>
-              </a:rPr>
-              <a:t>.</a:t>
+              <a:t>flujo de PQR’s.</a:t>
             </a:r>
             <a:endParaRPr lang="es-CO" dirty="0">
               <a:solidFill>
